--- a/최종보고서/모랭 사이트 환경설정.pptx
+++ b/최종보고서/모랭 사이트 환경설정.pptx
@@ -14,6 +14,8 @@
     <p:sldId id="261" r:id="rId8"/>
     <p:sldId id="262" r:id="rId9"/>
     <p:sldId id="263" r:id="rId10"/>
+    <p:sldId id="266" r:id="rId11"/>
+    <p:sldId id="267" r:id="rId12"/>
   </p:sldIdLst>
   <p:sldSz cx="12192000" cy="6858000"/>
   <p:notesSz cx="6858000" cy="9144000"/>
@@ -251,7 +253,7 @@
           <a:p>
             <a:fld id="{66977094-0A60-4F1A-8236-44F3B5B74A64}" type="datetimeFigureOut">
               <a:rPr lang="ko-KR" altLang="en-US" smtClean="0"/>
-              <a:t>2021-07-16</a:t>
+              <a:t>2021-07-19</a:t>
             </a:fld>
             <a:endParaRPr lang="ko-KR" altLang="en-US"/>
           </a:p>
@@ -421,7 +423,7 @@
           <a:p>
             <a:fld id="{66977094-0A60-4F1A-8236-44F3B5B74A64}" type="datetimeFigureOut">
               <a:rPr lang="ko-KR" altLang="en-US" smtClean="0"/>
-              <a:t>2021-07-16</a:t>
+              <a:t>2021-07-19</a:t>
             </a:fld>
             <a:endParaRPr lang="ko-KR" altLang="en-US"/>
           </a:p>
@@ -601,7 +603,7 @@
           <a:p>
             <a:fld id="{66977094-0A60-4F1A-8236-44F3B5B74A64}" type="datetimeFigureOut">
               <a:rPr lang="ko-KR" altLang="en-US" smtClean="0"/>
-              <a:t>2021-07-16</a:t>
+              <a:t>2021-07-19</a:t>
             </a:fld>
             <a:endParaRPr lang="ko-KR" altLang="en-US"/>
           </a:p>
@@ -771,7 +773,7 @@
           <a:p>
             <a:fld id="{66977094-0A60-4F1A-8236-44F3B5B74A64}" type="datetimeFigureOut">
               <a:rPr lang="ko-KR" altLang="en-US" smtClean="0"/>
-              <a:t>2021-07-16</a:t>
+              <a:t>2021-07-19</a:t>
             </a:fld>
             <a:endParaRPr lang="ko-KR" altLang="en-US"/>
           </a:p>
@@ -1017,7 +1019,7 @@
           <a:p>
             <a:fld id="{66977094-0A60-4F1A-8236-44F3B5B74A64}" type="datetimeFigureOut">
               <a:rPr lang="ko-KR" altLang="en-US" smtClean="0"/>
-              <a:t>2021-07-16</a:t>
+              <a:t>2021-07-19</a:t>
             </a:fld>
             <a:endParaRPr lang="ko-KR" altLang="en-US"/>
           </a:p>
@@ -1249,7 +1251,7 @@
           <a:p>
             <a:fld id="{66977094-0A60-4F1A-8236-44F3B5B74A64}" type="datetimeFigureOut">
               <a:rPr lang="ko-KR" altLang="en-US" smtClean="0"/>
-              <a:t>2021-07-16</a:t>
+              <a:t>2021-07-19</a:t>
             </a:fld>
             <a:endParaRPr lang="ko-KR" altLang="en-US"/>
           </a:p>
@@ -1616,7 +1618,7 @@
           <a:p>
             <a:fld id="{66977094-0A60-4F1A-8236-44F3B5B74A64}" type="datetimeFigureOut">
               <a:rPr lang="ko-KR" altLang="en-US" smtClean="0"/>
-              <a:t>2021-07-16</a:t>
+              <a:t>2021-07-19</a:t>
             </a:fld>
             <a:endParaRPr lang="ko-KR" altLang="en-US"/>
           </a:p>
@@ -1734,7 +1736,7 @@
           <a:p>
             <a:fld id="{66977094-0A60-4F1A-8236-44F3B5B74A64}" type="datetimeFigureOut">
               <a:rPr lang="ko-KR" altLang="en-US" smtClean="0"/>
-              <a:t>2021-07-16</a:t>
+              <a:t>2021-07-19</a:t>
             </a:fld>
             <a:endParaRPr lang="ko-KR" altLang="en-US"/>
           </a:p>
@@ -1829,7 +1831,7 @@
           <a:p>
             <a:fld id="{66977094-0A60-4F1A-8236-44F3B5B74A64}" type="datetimeFigureOut">
               <a:rPr lang="ko-KR" altLang="en-US" smtClean="0"/>
-              <a:t>2021-07-16</a:t>
+              <a:t>2021-07-19</a:t>
             </a:fld>
             <a:endParaRPr lang="ko-KR" altLang="en-US"/>
           </a:p>
@@ -2106,7 +2108,7 @@
           <a:p>
             <a:fld id="{66977094-0A60-4F1A-8236-44F3B5B74A64}" type="datetimeFigureOut">
               <a:rPr lang="ko-KR" altLang="en-US" smtClean="0"/>
-              <a:t>2021-07-16</a:t>
+              <a:t>2021-07-19</a:t>
             </a:fld>
             <a:endParaRPr lang="ko-KR" altLang="en-US"/>
           </a:p>
@@ -2359,7 +2361,7 @@
           <a:p>
             <a:fld id="{66977094-0A60-4F1A-8236-44F3B5B74A64}" type="datetimeFigureOut">
               <a:rPr lang="ko-KR" altLang="en-US" smtClean="0"/>
-              <a:t>2021-07-16</a:t>
+              <a:t>2021-07-19</a:t>
             </a:fld>
             <a:endParaRPr lang="ko-KR" altLang="en-US"/>
           </a:p>
@@ -2572,7 +2574,7 @@
           <a:p>
             <a:fld id="{66977094-0A60-4F1A-8236-44F3B5B74A64}" type="datetimeFigureOut">
               <a:rPr lang="ko-KR" altLang="en-US" smtClean="0"/>
-              <a:t>2021-07-16</a:t>
+              <a:t>2021-07-19</a:t>
             </a:fld>
             <a:endParaRPr lang="ko-KR" altLang="en-US"/>
           </a:p>
@@ -3020,6 +3022,1075 @@
 </p:sld>
 </file>
 
+<file path=ppt/slides/slide10.xml><?xml version="1.0" encoding="utf-8"?>
+<p:sld xmlns:a="http://schemas.openxmlformats.org/drawingml/2006/main" xmlns:r="http://schemas.openxmlformats.org/officeDocument/2006/relationships" xmlns:p="http://schemas.openxmlformats.org/presentationml/2006/main">
+  <p:cSld>
+    <p:spTree>
+      <p:nvGrpSpPr>
+        <p:cNvPr id="1" name=""/>
+        <p:cNvGrpSpPr/>
+        <p:nvPr/>
+      </p:nvGrpSpPr>
+      <p:grpSpPr>
+        <a:xfrm>
+          <a:off x="0" y="0"/>
+          <a:ext cx="0" cy="0"/>
+          <a:chOff x="0" y="0"/>
+          <a:chExt cx="0" cy="0"/>
+        </a:xfrm>
+      </p:grpSpPr>
+      <p:pic>
+        <p:nvPicPr>
+          <p:cNvPr id="5" name="그림 4"/>
+          <p:cNvPicPr>
+            <a:picLocks noChangeAspect="1"/>
+          </p:cNvPicPr>
+          <p:nvPr/>
+        </p:nvPicPr>
+        <p:blipFill>
+          <a:blip r:embed="rId2"/>
+          <a:stretch>
+            <a:fillRect/>
+          </a:stretch>
+        </p:blipFill>
+        <p:spPr>
+          <a:xfrm>
+            <a:off x="1430705" y="1011338"/>
+            <a:ext cx="8391525" cy="3686175"/>
+          </a:xfrm>
+          <a:prstGeom prst="rect">
+            <a:avLst/>
+          </a:prstGeom>
+        </p:spPr>
+      </p:pic>
+      <p:cxnSp>
+        <p:nvCxnSpPr>
+          <p:cNvPr id="30" name="직선 화살표 연결선 29"/>
+          <p:cNvCxnSpPr/>
+          <p:nvPr/>
+        </p:nvCxnSpPr>
+        <p:spPr>
+          <a:xfrm flipH="1">
+            <a:off x="12435644" y="7997259"/>
+            <a:ext cx="922909" cy="0"/>
+          </a:xfrm>
+          <a:prstGeom prst="straightConnector1">
+            <a:avLst/>
+          </a:prstGeom>
+          <a:ln>
+            <a:solidFill>
+              <a:srgbClr val="FF0000"/>
+            </a:solidFill>
+            <a:tailEnd type="triangle"/>
+          </a:ln>
+        </p:spPr>
+        <p:style>
+          <a:lnRef idx="1">
+            <a:schemeClr val="accent1"/>
+          </a:lnRef>
+          <a:fillRef idx="0">
+            <a:schemeClr val="accent1"/>
+          </a:fillRef>
+          <a:effectRef idx="0">
+            <a:schemeClr val="accent1"/>
+          </a:effectRef>
+          <a:fontRef idx="minor">
+            <a:schemeClr val="tx1"/>
+          </a:fontRef>
+        </p:style>
+      </p:cxnSp>
+      <p:sp>
+        <p:nvSpPr>
+          <p:cNvPr id="20" name="제목 1"/>
+          <p:cNvSpPr>
+            <a:spLocks noGrp="1"/>
+          </p:cNvSpPr>
+          <p:nvPr>
+            <p:ph type="ctrTitle"/>
+          </p:nvPr>
+        </p:nvSpPr>
+        <p:spPr>
+          <a:xfrm>
+            <a:off x="1523999" y="13075"/>
+            <a:ext cx="9144000" cy="706438"/>
+          </a:xfrm>
+        </p:spPr>
+        <p:txBody>
+          <a:bodyPr>
+            <a:normAutofit/>
+          </a:bodyPr>
+          <a:lstStyle/>
+          <a:p>
+            <a:r>
+              <a:rPr lang="en-US" altLang="ko-KR" sz="3200" dirty="0" smtClean="0"/>
+              <a:t>3. </a:t>
+            </a:r>
+            <a:r>
+              <a:rPr lang="ko-KR" altLang="en-US" sz="3200" dirty="0" smtClean="0"/>
+              <a:t>프로젝트 </a:t>
+            </a:r>
+            <a:r>
+              <a:rPr lang="ko-KR" altLang="en-US" sz="3200" dirty="0" smtClean="0"/>
+              <a:t>설정(</a:t>
+            </a:r>
+            <a:r>
+              <a:rPr lang="ko-KR" altLang="en-US" sz="3200" dirty="0" err="1" smtClean="0"/>
+              <a:t>이메일연동</a:t>
+            </a:r>
+            <a:r>
+              <a:rPr lang="en-US" altLang="ko-KR" sz="3200" dirty="0" smtClean="0"/>
+              <a:t>)</a:t>
+            </a:r>
+            <a:endParaRPr lang="en-US" altLang="ko-KR" sz="3200" dirty="0"/>
+          </a:p>
+        </p:txBody>
+      </p:sp>
+      <p:sp>
+        <p:nvSpPr>
+          <p:cNvPr id="4" name="TextBox 3"/>
+          <p:cNvSpPr txBox="1"/>
+          <p:nvPr/>
+        </p:nvSpPr>
+        <p:spPr>
+          <a:xfrm>
+            <a:off x="2995778" y="5508636"/>
+            <a:ext cx="5261377" cy="400110"/>
+          </a:xfrm>
+          <a:prstGeom prst="rect">
+            <a:avLst/>
+          </a:prstGeom>
+          <a:noFill/>
+        </p:spPr>
+        <p:txBody>
+          <a:bodyPr wrap="none" rtlCol="0">
+            <a:spAutoFit/>
+          </a:bodyPr>
+          <a:lstStyle/>
+          <a:p>
+            <a:r>
+              <a:rPr lang="en-US" altLang="ko-KR" sz="1000" dirty="0" smtClean="0"/>
+              <a:t>1. </a:t>
+            </a:r>
+            <a:r>
+              <a:rPr lang="ko-KR" altLang="en-US" sz="1000" dirty="0" smtClean="0"/>
+              <a:t>프로젝트 내에 </a:t>
+            </a:r>
+            <a:r>
+              <a:rPr lang="en-US" altLang="ko-KR" sz="1000" dirty="0" err="1" smtClean="0"/>
+              <a:t>src</a:t>
+            </a:r>
+            <a:r>
+              <a:rPr lang="en-US" altLang="ko-KR" sz="1000" dirty="0" smtClean="0"/>
+              <a:t>/main/java -&gt; </a:t>
+            </a:r>
+            <a:r>
+              <a:rPr lang="en-US" altLang="ko-KR" sz="1000" dirty="0" err="1" smtClean="0"/>
+              <a:t>util</a:t>
+            </a:r>
+            <a:r>
+              <a:rPr lang="en-US" altLang="ko-KR" sz="1000" dirty="0" smtClean="0"/>
+              <a:t> -&gt; DatabaseUtil.java</a:t>
+            </a:r>
+          </a:p>
+          <a:p>
+            <a:r>
+              <a:rPr lang="en-US" altLang="ko-KR" sz="1000" dirty="0" smtClean="0"/>
+              <a:t>2. </a:t>
+            </a:r>
+            <a:r>
+              <a:rPr lang="en-US" altLang="ko-KR" sz="1000" dirty="0" smtClean="0"/>
+              <a:t>Gmail</a:t>
+            </a:r>
+            <a:r>
+              <a:rPr lang="en-US" altLang="ko-KR" sz="1000" dirty="0" smtClean="0"/>
+              <a:t>.java</a:t>
+            </a:r>
+            <a:r>
+              <a:rPr lang="ko-KR" altLang="en-US" sz="1000" dirty="0" smtClean="0"/>
+              <a:t> </a:t>
+            </a:r>
+            <a:r>
+              <a:rPr lang="ko-KR" altLang="en-US" sz="1000" dirty="0" smtClean="0"/>
+              <a:t>파일 내에 </a:t>
+            </a:r>
+            <a:r>
+              <a:rPr lang="ko-KR" altLang="en-US" sz="1000" dirty="0" smtClean="0"/>
+              <a:t>리턴의 괄호</a:t>
+            </a:r>
+            <a:r>
+              <a:rPr lang="en-US" altLang="ko-KR" sz="1000" dirty="0" smtClean="0"/>
+              <a:t> </a:t>
+            </a:r>
+            <a:r>
+              <a:rPr lang="ko-KR" altLang="en-US" sz="1000" dirty="0" smtClean="0"/>
+              <a:t>부분에 본인의 구글 아이디와 구글 비밀번호를 입력</a:t>
+            </a:r>
+            <a:endParaRPr lang="en-US" altLang="ko-KR" sz="1000" dirty="0"/>
+          </a:p>
+        </p:txBody>
+      </p:sp>
+      <p:sp>
+        <p:nvSpPr>
+          <p:cNvPr id="6" name="직사각형 5"/>
+          <p:cNvSpPr/>
+          <p:nvPr/>
+        </p:nvSpPr>
+        <p:spPr>
+          <a:xfrm>
+            <a:off x="1680960" y="2952385"/>
+            <a:ext cx="1094154" cy="156308"/>
+          </a:xfrm>
+          <a:prstGeom prst="rect">
+            <a:avLst/>
+          </a:prstGeom>
+          <a:noFill/>
+          <a:ln>
+            <a:solidFill>
+              <a:srgbClr val="FF0000"/>
+            </a:solidFill>
+          </a:ln>
+        </p:spPr>
+        <p:style>
+          <a:lnRef idx="2">
+            <a:schemeClr val="accent1">
+              <a:shade val="50000"/>
+            </a:schemeClr>
+          </a:lnRef>
+          <a:fillRef idx="1">
+            <a:schemeClr val="accent1"/>
+          </a:fillRef>
+          <a:effectRef idx="0">
+            <a:schemeClr val="accent1"/>
+          </a:effectRef>
+          <a:fontRef idx="minor">
+            <a:schemeClr val="lt1"/>
+          </a:fontRef>
+        </p:style>
+        <p:txBody>
+          <a:bodyPr rtlCol="0" anchor="ctr"/>
+          <a:lstStyle/>
+          <a:p>
+            <a:pPr algn="ctr"/>
+            <a:endParaRPr lang="ko-KR" altLang="en-US"/>
+          </a:p>
+        </p:txBody>
+      </p:sp>
+      <p:sp>
+        <p:nvSpPr>
+          <p:cNvPr id="24" name="직사각형 23"/>
+          <p:cNvSpPr/>
+          <p:nvPr/>
+        </p:nvSpPr>
+        <p:spPr>
+          <a:xfrm>
+            <a:off x="1745259" y="3997146"/>
+            <a:ext cx="719015" cy="148493"/>
+          </a:xfrm>
+          <a:prstGeom prst="rect">
+            <a:avLst/>
+          </a:prstGeom>
+          <a:noFill/>
+          <a:ln>
+            <a:solidFill>
+              <a:srgbClr val="FF0000"/>
+            </a:solidFill>
+          </a:ln>
+        </p:spPr>
+        <p:style>
+          <a:lnRef idx="2">
+            <a:schemeClr val="accent1">
+              <a:shade val="50000"/>
+            </a:schemeClr>
+          </a:lnRef>
+          <a:fillRef idx="1">
+            <a:schemeClr val="accent1"/>
+          </a:fillRef>
+          <a:effectRef idx="0">
+            <a:schemeClr val="accent1"/>
+          </a:effectRef>
+          <a:fontRef idx="minor">
+            <a:schemeClr val="lt1"/>
+          </a:fontRef>
+        </p:style>
+        <p:txBody>
+          <a:bodyPr rtlCol="0" anchor="ctr"/>
+          <a:lstStyle/>
+          <a:p>
+            <a:pPr algn="ctr"/>
+            <a:endParaRPr lang="ko-KR" altLang="en-US"/>
+          </a:p>
+        </p:txBody>
+      </p:sp>
+      <p:sp>
+        <p:nvSpPr>
+          <p:cNvPr id="25" name="직사각형 24"/>
+          <p:cNvSpPr/>
+          <p:nvPr/>
+        </p:nvSpPr>
+        <p:spPr>
+          <a:xfrm>
+            <a:off x="1806384" y="4311907"/>
+            <a:ext cx="1289537" cy="222739"/>
+          </a:xfrm>
+          <a:prstGeom prst="rect">
+            <a:avLst/>
+          </a:prstGeom>
+          <a:noFill/>
+          <a:ln>
+            <a:solidFill>
+              <a:srgbClr val="FF0000"/>
+            </a:solidFill>
+          </a:ln>
+        </p:spPr>
+        <p:style>
+          <a:lnRef idx="2">
+            <a:schemeClr val="accent1">
+              <a:shade val="50000"/>
+            </a:schemeClr>
+          </a:lnRef>
+          <a:fillRef idx="1">
+            <a:schemeClr val="accent1"/>
+          </a:fillRef>
+          <a:effectRef idx="0">
+            <a:schemeClr val="accent1"/>
+          </a:effectRef>
+          <a:fontRef idx="minor">
+            <a:schemeClr val="lt1"/>
+          </a:fontRef>
+        </p:style>
+        <p:txBody>
+          <a:bodyPr rtlCol="0" anchor="ctr"/>
+          <a:lstStyle/>
+          <a:p>
+            <a:pPr algn="ctr"/>
+            <a:endParaRPr lang="ko-KR" altLang="en-US"/>
+          </a:p>
+        </p:txBody>
+      </p:sp>
+      <p:sp>
+        <p:nvSpPr>
+          <p:cNvPr id="7" name="TextBox 6"/>
+          <p:cNvSpPr txBox="1"/>
+          <p:nvPr/>
+        </p:nvSpPr>
+        <p:spPr>
+          <a:xfrm>
+            <a:off x="2793904" y="2915123"/>
+            <a:ext cx="319318" cy="230832"/>
+          </a:xfrm>
+          <a:prstGeom prst="rect">
+            <a:avLst/>
+          </a:prstGeom>
+          <a:noFill/>
+        </p:spPr>
+        <p:txBody>
+          <a:bodyPr wrap="none" rtlCol="0">
+            <a:spAutoFit/>
+          </a:bodyPr>
+          <a:lstStyle/>
+          <a:p>
+            <a:r>
+              <a:rPr lang="en-US" altLang="ko-KR" sz="900" dirty="0" smtClean="0">
+                <a:solidFill>
+                  <a:srgbClr val="FF0000"/>
+                </a:solidFill>
+              </a:rPr>
+              <a:t>(1)</a:t>
+            </a:r>
+            <a:endParaRPr lang="ko-KR" altLang="en-US" sz="900" dirty="0">
+              <a:solidFill>
+                <a:srgbClr val="FF0000"/>
+              </a:solidFill>
+            </a:endParaRPr>
+          </a:p>
+        </p:txBody>
+      </p:sp>
+      <p:sp>
+        <p:nvSpPr>
+          <p:cNvPr id="29" name="TextBox 28"/>
+          <p:cNvSpPr txBox="1"/>
+          <p:nvPr/>
+        </p:nvSpPr>
+        <p:spPr>
+          <a:xfrm>
+            <a:off x="2451153" y="3953315"/>
+            <a:ext cx="319318" cy="230832"/>
+          </a:xfrm>
+          <a:prstGeom prst="rect">
+            <a:avLst/>
+          </a:prstGeom>
+          <a:noFill/>
+        </p:spPr>
+        <p:txBody>
+          <a:bodyPr wrap="none" rtlCol="0">
+            <a:spAutoFit/>
+          </a:bodyPr>
+          <a:lstStyle/>
+          <a:p>
+            <a:r>
+              <a:rPr lang="en-US" altLang="ko-KR" sz="900" dirty="0" smtClean="0">
+                <a:solidFill>
+                  <a:srgbClr val="FF0000"/>
+                </a:solidFill>
+              </a:rPr>
+              <a:t>(2)</a:t>
+            </a:r>
+            <a:endParaRPr lang="ko-KR" altLang="en-US" sz="900" dirty="0">
+              <a:solidFill>
+                <a:srgbClr val="FF0000"/>
+              </a:solidFill>
+            </a:endParaRPr>
+          </a:p>
+        </p:txBody>
+      </p:sp>
+      <p:sp>
+        <p:nvSpPr>
+          <p:cNvPr id="33" name="TextBox 32"/>
+          <p:cNvSpPr txBox="1"/>
+          <p:nvPr/>
+        </p:nvSpPr>
+        <p:spPr>
+          <a:xfrm>
+            <a:off x="3113222" y="4311907"/>
+            <a:ext cx="319318" cy="230832"/>
+          </a:xfrm>
+          <a:prstGeom prst="rect">
+            <a:avLst/>
+          </a:prstGeom>
+          <a:noFill/>
+        </p:spPr>
+        <p:txBody>
+          <a:bodyPr wrap="none" rtlCol="0">
+            <a:spAutoFit/>
+          </a:bodyPr>
+          <a:lstStyle/>
+          <a:p>
+            <a:r>
+              <a:rPr lang="en-US" altLang="ko-KR" sz="900" dirty="0" smtClean="0">
+                <a:solidFill>
+                  <a:srgbClr val="FF0000"/>
+                </a:solidFill>
+              </a:rPr>
+              <a:t>(3)</a:t>
+            </a:r>
+            <a:endParaRPr lang="ko-KR" altLang="en-US" sz="900" dirty="0">
+              <a:solidFill>
+                <a:srgbClr val="FF0000"/>
+              </a:solidFill>
+            </a:endParaRPr>
+          </a:p>
+        </p:txBody>
+      </p:sp>
+      <p:sp>
+        <p:nvSpPr>
+          <p:cNvPr id="34" name="직사각형 33"/>
+          <p:cNvSpPr/>
+          <p:nvPr/>
+        </p:nvSpPr>
+        <p:spPr>
+          <a:xfrm>
+            <a:off x="7214902" y="2901232"/>
+            <a:ext cx="1598898" cy="222739"/>
+          </a:xfrm>
+          <a:prstGeom prst="rect">
+            <a:avLst/>
+          </a:prstGeom>
+          <a:noFill/>
+          <a:ln>
+            <a:solidFill>
+              <a:srgbClr val="FF0000"/>
+            </a:solidFill>
+          </a:ln>
+        </p:spPr>
+        <p:style>
+          <a:lnRef idx="2">
+            <a:schemeClr val="accent1">
+              <a:shade val="50000"/>
+            </a:schemeClr>
+          </a:lnRef>
+          <a:fillRef idx="1">
+            <a:schemeClr val="accent1"/>
+          </a:fillRef>
+          <a:effectRef idx="0">
+            <a:schemeClr val="accent1"/>
+          </a:effectRef>
+          <a:fontRef idx="minor">
+            <a:schemeClr val="lt1"/>
+          </a:fontRef>
+        </p:style>
+        <p:txBody>
+          <a:bodyPr rtlCol="0" anchor="ctr"/>
+          <a:lstStyle/>
+          <a:p>
+            <a:pPr algn="ctr"/>
+            <a:endParaRPr lang="ko-KR" altLang="en-US"/>
+          </a:p>
+        </p:txBody>
+      </p:sp>
+      <p:sp>
+        <p:nvSpPr>
+          <p:cNvPr id="36" name="TextBox 35"/>
+          <p:cNvSpPr txBox="1"/>
+          <p:nvPr/>
+        </p:nvSpPr>
+        <p:spPr>
+          <a:xfrm>
+            <a:off x="8578101" y="3123971"/>
+            <a:ext cx="319318" cy="230832"/>
+          </a:xfrm>
+          <a:prstGeom prst="rect">
+            <a:avLst/>
+          </a:prstGeom>
+          <a:noFill/>
+        </p:spPr>
+        <p:txBody>
+          <a:bodyPr wrap="none" rtlCol="0">
+            <a:spAutoFit/>
+          </a:bodyPr>
+          <a:lstStyle/>
+          <a:p>
+            <a:r>
+              <a:rPr lang="en-US" altLang="ko-KR" sz="900" dirty="0" smtClean="0">
+                <a:solidFill>
+                  <a:srgbClr val="FF0000"/>
+                </a:solidFill>
+              </a:rPr>
+              <a:t>(4)</a:t>
+            </a:r>
+            <a:endParaRPr lang="ko-KR" altLang="en-US" sz="900" dirty="0">
+              <a:solidFill>
+                <a:srgbClr val="FF0000"/>
+              </a:solidFill>
+            </a:endParaRPr>
+          </a:p>
+        </p:txBody>
+      </p:sp>
+    </p:spTree>
+    <p:extLst>
+      <p:ext uri="{BB962C8B-B14F-4D97-AF65-F5344CB8AC3E}">
+        <p14:creationId xmlns:p14="http://schemas.microsoft.com/office/powerpoint/2010/main" val="4185475622"/>
+      </p:ext>
+    </p:extLst>
+  </p:cSld>
+  <p:clrMapOvr>
+    <a:masterClrMapping/>
+  </p:clrMapOvr>
+</p:sld>
+</file>
+
+<file path=ppt/slides/slide11.xml><?xml version="1.0" encoding="utf-8"?>
+<p:sld xmlns:a="http://schemas.openxmlformats.org/drawingml/2006/main" xmlns:r="http://schemas.openxmlformats.org/officeDocument/2006/relationships" xmlns:p="http://schemas.openxmlformats.org/presentationml/2006/main">
+  <p:cSld>
+    <p:spTree>
+      <p:nvGrpSpPr>
+        <p:cNvPr id="1" name=""/>
+        <p:cNvGrpSpPr/>
+        <p:nvPr/>
+      </p:nvGrpSpPr>
+      <p:grpSpPr>
+        <a:xfrm>
+          <a:off x="0" y="0"/>
+          <a:ext cx="0" cy="0"/>
+          <a:chOff x="0" y="0"/>
+          <a:chExt cx="0" cy="0"/>
+        </a:xfrm>
+      </p:grpSpPr>
+      <p:cxnSp>
+        <p:nvCxnSpPr>
+          <p:cNvPr id="30" name="직선 화살표 연결선 29"/>
+          <p:cNvCxnSpPr/>
+          <p:nvPr/>
+        </p:nvCxnSpPr>
+        <p:spPr>
+          <a:xfrm flipH="1">
+            <a:off x="12435644" y="7997259"/>
+            <a:ext cx="922909" cy="0"/>
+          </a:xfrm>
+          <a:prstGeom prst="straightConnector1">
+            <a:avLst/>
+          </a:prstGeom>
+          <a:ln>
+            <a:solidFill>
+              <a:srgbClr val="FF0000"/>
+            </a:solidFill>
+            <a:tailEnd type="triangle"/>
+          </a:ln>
+        </p:spPr>
+        <p:style>
+          <a:lnRef idx="1">
+            <a:schemeClr val="accent1"/>
+          </a:lnRef>
+          <a:fillRef idx="0">
+            <a:schemeClr val="accent1"/>
+          </a:fillRef>
+          <a:effectRef idx="0">
+            <a:schemeClr val="accent1"/>
+          </a:effectRef>
+          <a:fontRef idx="minor">
+            <a:schemeClr val="tx1"/>
+          </a:fontRef>
+        </p:style>
+      </p:cxnSp>
+      <p:sp>
+        <p:nvSpPr>
+          <p:cNvPr id="20" name="제목 1"/>
+          <p:cNvSpPr>
+            <a:spLocks noGrp="1"/>
+          </p:cNvSpPr>
+          <p:nvPr>
+            <p:ph type="ctrTitle"/>
+          </p:nvPr>
+        </p:nvSpPr>
+        <p:spPr>
+          <a:xfrm>
+            <a:off x="1523999" y="13075"/>
+            <a:ext cx="9144000" cy="706438"/>
+          </a:xfrm>
+        </p:spPr>
+        <p:txBody>
+          <a:bodyPr>
+            <a:normAutofit/>
+          </a:bodyPr>
+          <a:lstStyle/>
+          <a:p>
+            <a:r>
+              <a:rPr lang="en-US" altLang="ko-KR" sz="3200" dirty="0" smtClean="0"/>
+              <a:t>3. </a:t>
+            </a:r>
+            <a:r>
+              <a:rPr lang="ko-KR" altLang="en-US" sz="3200" dirty="0" smtClean="0"/>
+              <a:t>프로젝트 </a:t>
+            </a:r>
+            <a:r>
+              <a:rPr lang="ko-KR" altLang="en-US" sz="3200" dirty="0" smtClean="0"/>
+              <a:t>설정(</a:t>
+            </a:r>
+            <a:r>
+              <a:rPr lang="ko-KR" altLang="en-US" sz="3200" dirty="0" err="1" smtClean="0"/>
+              <a:t>이메일연동</a:t>
+            </a:r>
+            <a:r>
+              <a:rPr lang="en-US" altLang="ko-KR" sz="3200" dirty="0" smtClean="0"/>
+              <a:t>)</a:t>
+            </a:r>
+            <a:endParaRPr lang="en-US" altLang="ko-KR" sz="3200" dirty="0"/>
+          </a:p>
+        </p:txBody>
+      </p:sp>
+      <p:sp>
+        <p:nvSpPr>
+          <p:cNvPr id="4" name="TextBox 3"/>
+          <p:cNvSpPr txBox="1"/>
+          <p:nvPr/>
+        </p:nvSpPr>
+        <p:spPr>
+          <a:xfrm>
+            <a:off x="3995903" y="5299086"/>
+            <a:ext cx="3894015" cy="553998"/>
+          </a:xfrm>
+          <a:prstGeom prst="rect">
+            <a:avLst/>
+          </a:prstGeom>
+          <a:noFill/>
+        </p:spPr>
+        <p:txBody>
+          <a:bodyPr wrap="none" rtlCol="0">
+            <a:spAutoFit/>
+          </a:bodyPr>
+          <a:lstStyle/>
+          <a:p>
+            <a:pPr marL="228600" indent="-228600">
+              <a:buAutoNum type="arabicPeriod"/>
+            </a:pPr>
+            <a:r>
+              <a:rPr lang="en-US" altLang="ko-KR" sz="1000" dirty="0" smtClean="0">
+                <a:hlinkClick r:id="rId2"/>
+              </a:rPr>
+              <a:t>https</a:t>
+            </a:r>
+            <a:r>
+              <a:rPr lang="en-US" altLang="ko-KR" sz="1000" dirty="0">
+                <a:hlinkClick r:id="rId2"/>
+              </a:rPr>
+              <a:t>://</a:t>
+            </a:r>
+            <a:r>
+              <a:rPr lang="en-US" altLang="ko-KR" sz="1000" dirty="0" smtClean="0">
+                <a:hlinkClick r:id="rId2"/>
+              </a:rPr>
+              <a:t>myaccount.google.com/security</a:t>
+            </a:r>
+            <a:r>
+              <a:rPr lang="en-US" altLang="ko-KR" sz="1000" dirty="0" smtClean="0"/>
+              <a:t> </a:t>
+            </a:r>
+            <a:r>
+              <a:rPr lang="ko-KR" altLang="en-US" sz="1000" dirty="0" smtClean="0"/>
+              <a:t>로 접속 하여 로그인</a:t>
+            </a:r>
+            <a:endParaRPr lang="en-US" altLang="ko-KR" sz="1000" dirty="0" smtClean="0"/>
+          </a:p>
+          <a:p>
+            <a:pPr marL="228600" indent="-228600">
+              <a:buAutoNum type="arabicPeriod"/>
+            </a:pPr>
+            <a:r>
+              <a:rPr lang="ko-KR" altLang="en-US" sz="1000" dirty="0" smtClean="0"/>
+              <a:t>보안 </a:t>
+            </a:r>
+            <a:r>
+              <a:rPr lang="en-US" altLang="ko-KR" sz="1000" dirty="0" smtClean="0"/>
+              <a:t>&gt; </a:t>
+            </a:r>
+            <a:r>
+              <a:rPr lang="ko-KR" altLang="en-US" sz="1000" dirty="0" smtClean="0"/>
+              <a:t>보안 수준이 낮은 앱의 </a:t>
+            </a:r>
+            <a:r>
+              <a:rPr lang="ko-KR" altLang="en-US" sz="1000" dirty="0" err="1" smtClean="0"/>
+              <a:t>엑서스</a:t>
+            </a:r>
+            <a:r>
+              <a:rPr lang="ko-KR" altLang="en-US" sz="1000" dirty="0" smtClean="0"/>
+              <a:t> 로 들어가</a:t>
+            </a:r>
+            <a:endParaRPr lang="en-US" altLang="ko-KR" sz="1000" dirty="0" smtClean="0"/>
+          </a:p>
+          <a:p>
+            <a:pPr marL="228600" indent="-228600">
+              <a:buAutoNum type="arabicPeriod"/>
+            </a:pPr>
+            <a:r>
+              <a:rPr lang="ko-KR" altLang="en-US" sz="1000" dirty="0" smtClean="0"/>
+              <a:t>보안 수준 이 낮은 앱 허용을 사용으로 변경</a:t>
+            </a:r>
+            <a:endParaRPr lang="en-US" altLang="ko-KR" sz="1000" dirty="0"/>
+          </a:p>
+        </p:txBody>
+      </p:sp>
+      <p:pic>
+        <p:nvPicPr>
+          <p:cNvPr id="2" name="그림 1"/>
+          <p:cNvPicPr>
+            <a:picLocks noChangeAspect="1"/>
+          </p:cNvPicPr>
+          <p:nvPr/>
+        </p:nvPicPr>
+        <p:blipFill>
+          <a:blip r:embed="rId3"/>
+          <a:stretch>
+            <a:fillRect/>
+          </a:stretch>
+        </p:blipFill>
+        <p:spPr>
+          <a:xfrm>
+            <a:off x="333375" y="1631938"/>
+            <a:ext cx="5957887" cy="2754722"/>
+          </a:xfrm>
+          <a:prstGeom prst="rect">
+            <a:avLst/>
+          </a:prstGeom>
+          <a:ln>
+            <a:solidFill>
+              <a:srgbClr val="FF0000"/>
+            </a:solidFill>
+          </a:ln>
+        </p:spPr>
+      </p:pic>
+      <p:pic>
+        <p:nvPicPr>
+          <p:cNvPr id="3" name="그림 2"/>
+          <p:cNvPicPr>
+            <a:picLocks noChangeAspect="1"/>
+          </p:cNvPicPr>
+          <p:nvPr/>
+        </p:nvPicPr>
+        <p:blipFill>
+          <a:blip r:embed="rId4"/>
+          <a:stretch>
+            <a:fillRect/>
+          </a:stretch>
+        </p:blipFill>
+        <p:spPr>
+          <a:xfrm>
+            <a:off x="6922327" y="1877206"/>
+            <a:ext cx="4760085" cy="2357437"/>
+          </a:xfrm>
+          <a:prstGeom prst="rect">
+            <a:avLst/>
+          </a:prstGeom>
+          <a:ln>
+            <a:solidFill>
+              <a:srgbClr val="FF0000"/>
+            </a:solidFill>
+          </a:ln>
+        </p:spPr>
+      </p:pic>
+      <p:sp>
+        <p:nvSpPr>
+          <p:cNvPr id="16" name="직사각형 15"/>
+          <p:cNvSpPr/>
+          <p:nvPr/>
+        </p:nvSpPr>
+        <p:spPr>
+          <a:xfrm>
+            <a:off x="333375" y="2571385"/>
+            <a:ext cx="1094154" cy="156308"/>
+          </a:xfrm>
+          <a:prstGeom prst="rect">
+            <a:avLst/>
+          </a:prstGeom>
+          <a:noFill/>
+          <a:ln>
+            <a:solidFill>
+              <a:srgbClr val="FF0000"/>
+            </a:solidFill>
+          </a:ln>
+        </p:spPr>
+        <p:style>
+          <a:lnRef idx="2">
+            <a:schemeClr val="accent1">
+              <a:shade val="50000"/>
+            </a:schemeClr>
+          </a:lnRef>
+          <a:fillRef idx="1">
+            <a:schemeClr val="accent1"/>
+          </a:fillRef>
+          <a:effectRef idx="0">
+            <a:schemeClr val="accent1"/>
+          </a:effectRef>
+          <a:fontRef idx="minor">
+            <a:schemeClr val="lt1"/>
+          </a:fontRef>
+        </p:style>
+        <p:txBody>
+          <a:bodyPr rtlCol="0" anchor="ctr"/>
+          <a:lstStyle/>
+          <a:p>
+            <a:pPr algn="ctr"/>
+            <a:endParaRPr lang="ko-KR" altLang="en-US"/>
+          </a:p>
+        </p:txBody>
+      </p:sp>
+      <p:sp>
+        <p:nvSpPr>
+          <p:cNvPr id="17" name="직사각형 16"/>
+          <p:cNvSpPr/>
+          <p:nvPr/>
+        </p:nvSpPr>
+        <p:spPr>
+          <a:xfrm>
+            <a:off x="2633460" y="4078334"/>
+            <a:ext cx="1094154" cy="226965"/>
+          </a:xfrm>
+          <a:prstGeom prst="rect">
+            <a:avLst/>
+          </a:prstGeom>
+          <a:noFill/>
+          <a:ln>
+            <a:solidFill>
+              <a:srgbClr val="FF0000"/>
+            </a:solidFill>
+          </a:ln>
+        </p:spPr>
+        <p:style>
+          <a:lnRef idx="2">
+            <a:schemeClr val="accent1">
+              <a:shade val="50000"/>
+            </a:schemeClr>
+          </a:lnRef>
+          <a:fillRef idx="1">
+            <a:schemeClr val="accent1"/>
+          </a:fillRef>
+          <a:effectRef idx="0">
+            <a:schemeClr val="accent1"/>
+          </a:effectRef>
+          <a:fontRef idx="minor">
+            <a:schemeClr val="lt1"/>
+          </a:fontRef>
+        </p:style>
+        <p:txBody>
+          <a:bodyPr rtlCol="0" anchor="ctr"/>
+          <a:lstStyle/>
+          <a:p>
+            <a:pPr algn="ctr"/>
+            <a:endParaRPr lang="ko-KR" altLang="en-US"/>
+          </a:p>
+        </p:txBody>
+      </p:sp>
+      <p:sp>
+        <p:nvSpPr>
+          <p:cNvPr id="18" name="직사각형 17"/>
+          <p:cNvSpPr/>
+          <p:nvPr/>
+        </p:nvSpPr>
+        <p:spPr>
+          <a:xfrm>
+            <a:off x="10667999" y="3543300"/>
+            <a:ext cx="323851" cy="314325"/>
+          </a:xfrm>
+          <a:prstGeom prst="rect">
+            <a:avLst/>
+          </a:prstGeom>
+          <a:noFill/>
+          <a:ln>
+            <a:solidFill>
+              <a:srgbClr val="FF0000"/>
+            </a:solidFill>
+          </a:ln>
+        </p:spPr>
+        <p:style>
+          <a:lnRef idx="2">
+            <a:schemeClr val="accent1">
+              <a:shade val="50000"/>
+            </a:schemeClr>
+          </a:lnRef>
+          <a:fillRef idx="1">
+            <a:schemeClr val="accent1"/>
+          </a:fillRef>
+          <a:effectRef idx="0">
+            <a:schemeClr val="accent1"/>
+          </a:effectRef>
+          <a:fontRef idx="minor">
+            <a:schemeClr val="lt1"/>
+          </a:fontRef>
+        </p:style>
+        <p:txBody>
+          <a:bodyPr rtlCol="0" anchor="ctr"/>
+          <a:lstStyle/>
+          <a:p>
+            <a:pPr algn="ctr"/>
+            <a:endParaRPr lang="ko-KR" altLang="en-US"/>
+          </a:p>
+        </p:txBody>
+      </p:sp>
+      <p:sp>
+        <p:nvSpPr>
+          <p:cNvPr id="19" name="TextBox 18"/>
+          <p:cNvSpPr txBox="1"/>
+          <p:nvPr/>
+        </p:nvSpPr>
+        <p:spPr>
+          <a:xfrm>
+            <a:off x="1427529" y="2534123"/>
+            <a:ext cx="319318" cy="230832"/>
+          </a:xfrm>
+          <a:prstGeom prst="rect">
+            <a:avLst/>
+          </a:prstGeom>
+          <a:noFill/>
+        </p:spPr>
+        <p:txBody>
+          <a:bodyPr wrap="none" rtlCol="0">
+            <a:spAutoFit/>
+          </a:bodyPr>
+          <a:lstStyle/>
+          <a:p>
+            <a:r>
+              <a:rPr lang="en-US" altLang="ko-KR" sz="900" dirty="0" smtClean="0">
+                <a:solidFill>
+                  <a:srgbClr val="FF0000"/>
+                </a:solidFill>
+              </a:rPr>
+              <a:t>(1)</a:t>
+            </a:r>
+            <a:endParaRPr lang="ko-KR" altLang="en-US" sz="900" dirty="0">
+              <a:solidFill>
+                <a:srgbClr val="FF0000"/>
+              </a:solidFill>
+            </a:endParaRPr>
+          </a:p>
+        </p:txBody>
+      </p:sp>
+      <p:sp>
+        <p:nvSpPr>
+          <p:cNvPr id="21" name="TextBox 20"/>
+          <p:cNvSpPr txBox="1"/>
+          <p:nvPr/>
+        </p:nvSpPr>
+        <p:spPr>
+          <a:xfrm>
+            <a:off x="3723828" y="4063225"/>
+            <a:ext cx="319318" cy="230832"/>
+          </a:xfrm>
+          <a:prstGeom prst="rect">
+            <a:avLst/>
+          </a:prstGeom>
+          <a:noFill/>
+        </p:spPr>
+        <p:txBody>
+          <a:bodyPr wrap="none" rtlCol="0">
+            <a:spAutoFit/>
+          </a:bodyPr>
+          <a:lstStyle/>
+          <a:p>
+            <a:r>
+              <a:rPr lang="en-US" altLang="ko-KR" sz="900" dirty="0" smtClean="0">
+                <a:solidFill>
+                  <a:srgbClr val="FF0000"/>
+                </a:solidFill>
+              </a:rPr>
+              <a:t>(2)</a:t>
+            </a:r>
+            <a:endParaRPr lang="ko-KR" altLang="en-US" sz="900" dirty="0">
+              <a:solidFill>
+                <a:srgbClr val="FF0000"/>
+              </a:solidFill>
+            </a:endParaRPr>
+          </a:p>
+        </p:txBody>
+      </p:sp>
+      <p:sp>
+        <p:nvSpPr>
+          <p:cNvPr id="22" name="TextBox 21"/>
+          <p:cNvSpPr txBox="1"/>
+          <p:nvPr/>
+        </p:nvSpPr>
+        <p:spPr>
+          <a:xfrm>
+            <a:off x="10991850" y="3585046"/>
+            <a:ext cx="319318" cy="230832"/>
+          </a:xfrm>
+          <a:prstGeom prst="rect">
+            <a:avLst/>
+          </a:prstGeom>
+          <a:noFill/>
+        </p:spPr>
+        <p:txBody>
+          <a:bodyPr wrap="none" rtlCol="0">
+            <a:spAutoFit/>
+          </a:bodyPr>
+          <a:lstStyle/>
+          <a:p>
+            <a:r>
+              <a:rPr lang="en-US" altLang="ko-KR" sz="900" dirty="0" smtClean="0">
+                <a:solidFill>
+                  <a:srgbClr val="FF0000"/>
+                </a:solidFill>
+              </a:rPr>
+              <a:t>(3)</a:t>
+            </a:r>
+            <a:endParaRPr lang="ko-KR" altLang="en-US" sz="900" dirty="0">
+              <a:solidFill>
+                <a:srgbClr val="FF0000"/>
+              </a:solidFill>
+            </a:endParaRPr>
+          </a:p>
+        </p:txBody>
+      </p:sp>
+    </p:spTree>
+    <p:extLst>
+      <p:ext uri="{BB962C8B-B14F-4D97-AF65-F5344CB8AC3E}">
+        <p14:creationId xmlns:p14="http://schemas.microsoft.com/office/powerpoint/2010/main" val="3200596949"/>
+      </p:ext>
+    </p:extLst>
+  </p:cSld>
+  <p:clrMapOvr>
+    <a:masterClrMapping/>
+  </p:clrMapOvr>
+</p:sld>
+</file>
+
 <file path=ppt/slides/slide2.xml><?xml version="1.0" encoding="utf-8"?>
 <p:sld xmlns:a="http://schemas.openxmlformats.org/drawingml/2006/main" xmlns:r="http://schemas.openxmlformats.org/officeDocument/2006/relationships" xmlns:p="http://schemas.openxmlformats.org/presentationml/2006/main">
   <p:cSld>
@@ -3892,11 +4963,7 @@
             </a:r>
             <a:r>
               <a:rPr lang="ko-KR" altLang="en-US" sz="1100" dirty="0" err="1" smtClean="0"/>
-              <a:t>해당</a:t>
-            </a:r>
-            <a:r>
-              <a:rPr lang="ko-KR" altLang="en-US" sz="1100" dirty="0" err="1" smtClean="0"/>
-              <a:t>창이</a:t>
+              <a:t>해당창이</a:t>
             </a:r>
             <a:r>
               <a:rPr lang="ko-KR" altLang="en-US" sz="1100" dirty="0" smtClean="0"/>
@@ -4046,11 +5113,7 @@
           <a:p>
             <a:r>
               <a:rPr lang="ko-KR" altLang="en-US" sz="1100" dirty="0" smtClean="0"/>
-              <a:t>파일 </a:t>
-            </a:r>
-            <a:r>
-              <a:rPr lang="ko-KR" altLang="en-US" sz="1100" dirty="0" smtClean="0"/>
-              <a:t>설치 전 필요한 파일들을 체크</a:t>
+              <a:t>파일 설치 전 필요한 파일들을 체크</a:t>
             </a:r>
             <a:endParaRPr lang="en-US" altLang="ko-KR" sz="1100" dirty="0" smtClean="0"/>
           </a:p>
@@ -4078,7 +5141,6 @@
               <a:rPr lang="ko-KR" altLang="en-US" sz="1100" dirty="0"/>
               <a:t>치</a:t>
             </a:r>
-            <a:endParaRPr lang="ko-KR" altLang="en-US" sz="1100" dirty="0"/>
           </a:p>
         </p:txBody>
       </p:sp>
@@ -5244,11 +6306,7 @@
             </a:r>
             <a:r>
               <a:rPr lang="ko-KR" altLang="en-US" sz="1100" dirty="0" smtClean="0"/>
-              <a:t>에서 명령 프롬프트를 관리자 권한으로 실</a:t>
-            </a:r>
-            <a:r>
-              <a:rPr lang="ko-KR" altLang="en-US" sz="1100" dirty="0" smtClean="0"/>
-              <a:t>행</a:t>
+              <a:t>에서 명령 프롬프트를 관리자 권한으로 실행</a:t>
             </a:r>
             <a:endParaRPr lang="ko-KR" altLang="en-US" sz="1100" dirty="0"/>
           </a:p>
@@ -5958,8 +7016,20 @@
               <a:t>프로젝트 </a:t>
             </a:r>
             <a:r>
-              <a:rPr lang="ko-KR" altLang="en-US" sz="3200" dirty="0"/>
+              <a:rPr lang="ko-KR" altLang="en-US" sz="3200" dirty="0" smtClean="0"/>
               <a:t>설정</a:t>
+            </a:r>
+            <a:r>
+              <a:rPr lang="en-US" altLang="ko-KR" sz="3200" dirty="0" smtClean="0"/>
+              <a:t>(</a:t>
+            </a:r>
+            <a:r>
+              <a:rPr lang="ko-KR" altLang="en-US" sz="3200" dirty="0" smtClean="0"/>
+              <a:t>데이터베이스 연동</a:t>
+            </a:r>
+            <a:r>
+              <a:rPr lang="en-US" altLang="ko-KR" sz="3200" dirty="0" smtClean="0"/>
+              <a:t>)</a:t>
             </a:r>
             <a:endParaRPr lang="en-US" altLang="ko-KR" sz="3200" dirty="0"/>
           </a:p>
